--- a/slides/06-hadoop-system-introduction.pptx
+++ b/slides/06-hadoop-system-introduction.pptx
@@ -216,7 +216,7 @@
           <a:p>
             <a:fld id="{8B063E0C-45AE-48F0-AACA-3459680A40AF}" type="datetimeFigureOut">
               <a:rPr lang="ko-KR" altLang="en-US" smtClean="0"/>
-              <a:t>2019-11-05</a:t>
+              <a:t>2020-11-17</a:t>
             </a:fld>
             <a:endParaRPr lang="ko-KR" altLang="en-US"/>
           </a:p>
@@ -821,7 +821,7 @@
             <a:fld id="{B61BEF0D-F0BB-DE4B-95CE-6DB70DBA9567}" type="datetimeFigureOut">
               <a:rPr lang="en-US" dirty="0"/>
               <a:pPr/>
-              <a:t>11/5/2019</a:t>
+              <a:t>11/17/2020</a:t>
             </a:fld>
             <a:endParaRPr lang="en-US" dirty="0"/>
           </a:p>
@@ -1069,7 +1069,7 @@
             <a:fld id="{B61BEF0D-F0BB-DE4B-95CE-6DB70DBA9567}" type="datetimeFigureOut">
               <a:rPr lang="en-US" dirty="0"/>
               <a:pPr/>
-              <a:t>11/5/2019</a:t>
+              <a:t>11/17/2020</a:t>
             </a:fld>
             <a:endParaRPr lang="en-US" dirty="0"/>
           </a:p>
@@ -1380,7 +1380,7 @@
             <a:fld id="{B61BEF0D-F0BB-DE4B-95CE-6DB70DBA9567}" type="datetimeFigureOut">
               <a:rPr lang="en-US" dirty="0"/>
               <a:pPr/>
-              <a:t>11/5/2019</a:t>
+              <a:t>11/17/2020</a:t>
             </a:fld>
             <a:endParaRPr lang="en-US" dirty="0"/>
           </a:p>
@@ -1704,7 +1704,7 @@
             <a:fld id="{B61BEF0D-F0BB-DE4B-95CE-6DB70DBA9567}" type="datetimeFigureOut">
               <a:rPr lang="en-US" dirty="0"/>
               <a:pPr/>
-              <a:t>11/5/2019</a:t>
+              <a:t>11/17/2020</a:t>
             </a:fld>
             <a:endParaRPr lang="en-US" dirty="0"/>
           </a:p>
@@ -2015,7 +2015,7 @@
             <a:fld id="{B61BEF0D-F0BB-DE4B-95CE-6DB70DBA9567}" type="datetimeFigureOut">
               <a:rPr lang="en-US" dirty="0"/>
               <a:pPr/>
-              <a:t>11/5/2019</a:t>
+              <a:t>11/17/2020</a:t>
             </a:fld>
             <a:endParaRPr lang="en-US" dirty="0"/>
           </a:p>
@@ -2399,7 +2399,7 @@
             <a:fld id="{B61BEF0D-F0BB-DE4B-95CE-6DB70DBA9567}" type="datetimeFigureOut">
               <a:rPr lang="en-US" dirty="0"/>
               <a:pPr/>
-              <a:t>11/5/2019</a:t>
+              <a:t>11/17/2020</a:t>
             </a:fld>
             <a:endParaRPr lang="en-US" dirty="0"/>
           </a:p>
@@ -2565,7 +2565,7 @@
           <a:p>
             <a:fld id="{55C6B4A9-1611-4792-9094-5F34BCA07E0B}" type="datetimeFigureOut">
               <a:rPr lang="en-US" dirty="0"/>
-              <a:t>11/5/2019</a:t>
+              <a:t>11/17/2020</a:t>
             </a:fld>
             <a:endParaRPr lang="en-US" dirty="0"/>
           </a:p>
@@ -2741,7 +2741,7 @@
             <a:fld id="{B61BEF0D-F0BB-DE4B-95CE-6DB70DBA9567}" type="datetimeFigureOut">
               <a:rPr lang="en-US" dirty="0"/>
               <a:pPr/>
-              <a:t>11/5/2019</a:t>
+              <a:t>11/17/2020</a:t>
             </a:fld>
             <a:endParaRPr lang="en-US" dirty="0"/>
           </a:p>
@@ -2907,7 +2907,7 @@
           <a:p>
             <a:fld id="{42A54C80-263E-416B-A8E0-580EDEADCBDC}" type="datetimeFigureOut">
               <a:rPr lang="en-US" dirty="0"/>
-              <a:t>11/5/2019</a:t>
+              <a:t>11/17/2020</a:t>
             </a:fld>
             <a:endParaRPr lang="en-US" dirty="0"/>
           </a:p>
@@ -3152,7 +3152,7 @@
             <a:fld id="{B61BEF0D-F0BB-DE4B-95CE-6DB70DBA9567}" type="datetimeFigureOut">
               <a:rPr lang="en-US" dirty="0"/>
               <a:pPr/>
-              <a:t>11/5/2019</a:t>
+              <a:t>11/17/2020</a:t>
             </a:fld>
             <a:endParaRPr lang="en-US" dirty="0"/>
           </a:p>
@@ -3380,7 +3380,7 @@
           <a:p>
             <a:fld id="{42A54C80-263E-416B-A8E0-580EDEADCBDC}" type="datetimeFigureOut">
               <a:rPr lang="en-US" dirty="0"/>
-              <a:t>11/5/2019</a:t>
+              <a:t>11/17/2020</a:t>
             </a:fld>
             <a:endParaRPr lang="en-US" dirty="0"/>
           </a:p>
@@ -3750,7 +3750,7 @@
             <a:fld id="{B61BEF0D-F0BB-DE4B-95CE-6DB70DBA9567}" type="datetimeFigureOut">
               <a:rPr lang="en-US" dirty="0"/>
               <a:pPr/>
-              <a:t>11/5/2019</a:t>
+              <a:t>11/17/2020</a:t>
             </a:fld>
             <a:endParaRPr lang="en-US" dirty="0"/>
           </a:p>
@@ -3870,7 +3870,7 @@
             <a:fld id="{B61BEF0D-F0BB-DE4B-95CE-6DB70DBA9567}" type="datetimeFigureOut">
               <a:rPr lang="en-US" dirty="0"/>
               <a:pPr/>
-              <a:t>11/5/2019</a:t>
+              <a:t>11/17/2020</a:t>
             </a:fld>
             <a:endParaRPr lang="en-US" dirty="0"/>
           </a:p>
@@ -3962,7 +3962,7 @@
             <a:fld id="{B61BEF0D-F0BB-DE4B-95CE-6DB70DBA9567}" type="datetimeFigureOut">
               <a:rPr lang="en-US" dirty="0"/>
               <a:pPr/>
-              <a:t>11/5/2019</a:t>
+              <a:t>11/17/2020</a:t>
             </a:fld>
             <a:endParaRPr lang="en-US" dirty="0"/>
           </a:p>
@@ -4213,7 +4213,7 @@
           <a:p>
             <a:fld id="{42A54C80-263E-416B-A8E0-580EDEADCBDC}" type="datetimeFigureOut">
               <a:rPr lang="en-US" dirty="0"/>
-              <a:t>11/5/2019</a:t>
+              <a:t>11/17/2020</a:t>
             </a:fld>
             <a:endParaRPr lang="en-US" dirty="0"/>
           </a:p>
@@ -4472,7 +4472,7 @@
             <a:fld id="{B61BEF0D-F0BB-DE4B-95CE-6DB70DBA9567}" type="datetimeFigureOut">
               <a:rPr lang="en-US" dirty="0"/>
               <a:pPr/>
-              <a:t>11/5/2019</a:t>
+              <a:t>11/17/2020</a:t>
             </a:fld>
             <a:endParaRPr lang="en-US" dirty="0"/>
           </a:p>
@@ -4682,7 +4682,7 @@
             <a:fld id="{B61BEF0D-F0BB-DE4B-95CE-6DB70DBA9567}" type="datetimeFigureOut">
               <a:rPr lang="en-US" dirty="0"/>
               <a:pPr/>
-              <a:t>11/5/2019</a:t>
+              <a:t>11/17/2020</a:t>
             </a:fld>
             <a:endParaRPr lang="en-US" dirty="0"/>
           </a:p>
@@ -10162,12 +10162,8 @@
           <a:p>
             <a:pPr lvl="1"/>
             <a:r>
-              <a:rPr lang="ko-KR" altLang="en-US" dirty="0" err="1"/>
-              <a:t>저사양</a:t>
-            </a:r>
-            <a:r>
-              <a:rPr lang="ko-KR" altLang="en-US" dirty="0"/>
-              <a:t> 컴퓨터를 여러 대 연결하여 대용량의 스토리지를 구성하고 하나의 서버처럼 사용할 수 있도록 지원</a:t>
+              <a:rPr lang="ko-KR" altLang="en-US" dirty="0"/>
+              <a:t>저 사양 컴퓨터를 여러 대 연결하여 대용량의 스토리지를 구성하고 하나의 서버처럼 사용할 수 있도록 지원</a:t>
             </a:r>
             <a:endParaRPr lang="en-US" altLang="ko-KR" dirty="0"/>
           </a:p>
@@ -10697,7 +10693,7 @@
         <p:spPr>
           <a:xfrm>
             <a:off x="2160338" y="1781915"/>
-            <a:ext cx="7981672" cy="369332"/>
+            <a:ext cx="7960834" cy="369332"/>
           </a:xfrm>
           <a:prstGeom prst="rect">
             <a:avLst/>
@@ -10751,20 +10747,12 @@
               <a:t>셔플</a:t>
             </a:r>
             <a:r>
-              <a:rPr lang="en-US" altLang="ko-KR" b="1" dirty="0">
+              <a:rPr lang="en-US" altLang="ko-KR" b="1">
                 <a:solidFill>
                   <a:srgbClr val="C00000"/>
                 </a:solidFill>
               </a:rPr>
-              <a:t>(</a:t>
-            </a:r>
-            <a:r>
-              <a:rPr lang="en-US" altLang="ko-KR" b="1" dirty="0" err="1">
-                <a:solidFill>
-                  <a:srgbClr val="C00000"/>
-                </a:solidFill>
-              </a:rPr>
-              <a:t>SHuffle</a:t>
+              <a:t>(Shuffle</a:t>
             </a:r>
             <a:r>
               <a:rPr lang="en-US" altLang="ko-KR" b="1" dirty="0">
